--- a/design/密码学题目方案-陈家乐.pptx
+++ b/design/密码学题目方案-陈家乐.pptx
@@ -13,11 +13,12 @@
     <p:sldId id="259" r:id="rId6"/>
     <p:sldId id="260" r:id="rId7"/>
     <p:sldId id="261" r:id="rId8"/>
+    <p:sldId id="262" r:id="rId9"/>
   </p:sldIdLst>
   <p:sldSz cx="12192000" cy="6858000"/>
   <p:notesSz cx="6858000" cy="9144000"/>
   <p:custDataLst>
-    <p:tags r:id="rId12"/>
+    <p:tags r:id="rId13"/>
   </p:custDataLst>
   <p:defaultTextStyle>
     <a:defPPr>
@@ -766,6 +767,50 @@
               <a:rPr lang="zh-CN" altLang="en-US"/>
               <a:t>https://blog.csdn.net/RedhatJongkhurun/article/details/124539180</a:t>
             </a:r>
+            <a:endParaRPr lang="zh-CN" altLang="en-US"/>
+          </a:p>
+        </p:txBody>
+      </p:sp>
+    </p:spTree>
+  </p:cSld>
+  <p:clrMapOvr>
+    <a:masterClrMapping/>
+  </p:clrMapOvr>
+</p:notes>
+</file>
+
+<file path=ppt/notesSlides/notesSlide6.xml><?xml version="1.0" encoding="utf-8"?>
+<p:notes xmlns:a="http://schemas.openxmlformats.org/drawingml/2006/main" xmlns:r="http://schemas.openxmlformats.org/officeDocument/2006/relationships" xmlns:p="http://schemas.openxmlformats.org/presentationml/2006/main">
+  <p:cSld>
+    <p:spTree>
+      <p:nvGrpSpPr>
+        <p:cNvPr id="1" name=""/>
+        <p:cNvGrpSpPr/>
+        <p:nvPr/>
+      </p:nvGrpSpPr>
+      <p:grpSpPr/>
+      <p:sp>
+        <p:nvSpPr>
+          <p:cNvPr id="2" name="幻灯片图像占位符 1"/>
+          <p:cNvSpPr/>
+          <p:nvPr>
+            <p:ph type="sldImg" idx="2"/>
+          </p:nvPr>
+        </p:nvSpPr>
+        <p:spPr/>
+      </p:sp>
+      <p:sp>
+        <p:nvSpPr>
+          <p:cNvPr id="3" name="文本占位符 2"/>
+          <p:cNvSpPr/>
+          <p:nvPr>
+            <p:ph type="body" idx="3"/>
+          </p:nvPr>
+        </p:nvSpPr>
+        <p:spPr/>
+        <p:txBody>
+          <a:bodyPr/>
+          <a:p>
             <a:endParaRPr lang="zh-CN" altLang="en-US"/>
           </a:p>
         </p:txBody>
@@ -7761,7 +7806,7 @@
       </p:sp>
       <p:pic>
         <p:nvPicPr>
-          <p:cNvPr id="5" name="图片 4"/>
+          <p:cNvPr id="3" name="图片 2"/>
           <p:cNvPicPr>
             <a:picLocks noChangeAspect="1"/>
           </p:cNvPicPr>
@@ -7773,23 +7818,183 @@
         </p:nvPicPr>
         <p:blipFill>
           <a:blip r:embed="rId2"/>
+          <a:srcRect t="6450" r="248"/>
           <a:stretch>
             <a:fillRect/>
           </a:stretch>
         </p:blipFill>
         <p:spPr>
           <a:xfrm>
-            <a:off x="492760" y="1610360"/>
-            <a:ext cx="10988675" cy="4527550"/>
+            <a:off x="773430" y="1301750"/>
+            <a:ext cx="10639425" cy="5438140"/>
           </a:xfrm>
           <a:prstGeom prst="rect">
             <a:avLst/>
           </a:prstGeom>
         </p:spPr>
       </p:pic>
+      <p:sp>
+        <p:nvSpPr>
+          <p:cNvPr id="4" name="文本框 3"/>
+          <p:cNvSpPr txBox="1"/>
+          <p:nvPr>
+            <p:custDataLst>
+              <p:tags r:id="rId3"/>
+            </p:custDataLst>
+          </p:nvPr>
+        </p:nvSpPr>
+        <p:spPr>
+          <a:xfrm>
+            <a:off x="8571230" y="360045"/>
+            <a:ext cx="3438525" cy="860425"/>
+          </a:xfrm>
+          <a:prstGeom prst="rect">
+            <a:avLst/>
+          </a:prstGeom>
+          <a:noFill/>
+        </p:spPr>
+        <p:txBody>
+          <a:bodyPr wrap="square" rtlCol="0">
+            <a:spAutoFit/>
+          </a:bodyPr>
+          <a:p>
+            <a:r>
+              <a:rPr lang="zh-CN" altLang="en-US"/>
+              <a:t>关键</a:t>
+            </a:r>
+            <a:r>
+              <a:rPr lang="zh-CN" altLang="en-US"/>
+              <a:t>技术点：</a:t>
+            </a:r>
+            <a:endParaRPr lang="zh-CN" altLang="en-US"/>
+          </a:p>
+          <a:p>
+            <a:pPr marL="285750" indent="-285750">
+              <a:buFont typeface="Wingdings" panose="05000000000000000000" charset="0"/>
+              <a:buChar char="Ø"/>
+            </a:pPr>
+            <a:r>
+              <a:rPr lang="zh-CN" altLang="en-US" sz="1600"/>
+              <a:t>非对称加密交换对称</a:t>
+            </a:r>
+            <a:r>
+              <a:rPr lang="zh-CN" altLang="en-US" sz="1600"/>
+              <a:t>密钥</a:t>
+            </a:r>
+            <a:endParaRPr lang="zh-CN" altLang="en-US" sz="1600"/>
+          </a:p>
+          <a:p>
+            <a:pPr marL="285750" indent="-285750">
+              <a:buFont typeface="Wingdings" panose="05000000000000000000" charset="0"/>
+              <a:buChar char="Ø"/>
+            </a:pPr>
+            <a:r>
+              <a:rPr lang="zh-CN" altLang="en-US" sz="1600"/>
+              <a:t>对称密钥加解密签名请求</a:t>
+            </a:r>
+            <a:r>
+              <a:rPr lang="zh-CN" altLang="en-US" sz="1600"/>
+              <a:t>信息</a:t>
+            </a:r>
+            <a:endParaRPr lang="zh-CN" altLang="en-US" sz="1600"/>
+          </a:p>
+        </p:txBody>
+      </p:sp>
     </p:spTree>
     <p:custDataLst>
-      <p:tags r:id="rId3"/>
+      <p:tags r:id="rId4"/>
+    </p:custDataLst>
+  </p:cSld>
+  <p:clrMapOvr>
+    <a:masterClrMapping/>
+  </p:clrMapOvr>
+</p:sld>
+</file>
+
+<file path=ppt/slides/slide6.xml><?xml version="1.0" encoding="utf-8"?>
+<p:sld xmlns:a="http://schemas.openxmlformats.org/drawingml/2006/main" xmlns:r="http://schemas.openxmlformats.org/officeDocument/2006/relationships" xmlns:p="http://schemas.openxmlformats.org/presentationml/2006/main">
+  <p:cSld>
+    <p:spTree>
+      <p:nvGrpSpPr>
+        <p:cNvPr id="1" name=""/>
+        <p:cNvGrpSpPr/>
+        <p:nvPr/>
+      </p:nvGrpSpPr>
+      <p:grpSpPr/>
+      <p:sp>
+        <p:nvSpPr>
+          <p:cNvPr id="2" name="标题 1"/>
+          <p:cNvSpPr>
+            <a:spLocks noGrp="1"/>
+          </p:cNvSpPr>
+          <p:nvPr>
+            <p:ph type="title"/>
+          </p:nvPr>
+        </p:nvSpPr>
+        <p:spPr>
+          <a:xfrm>
+            <a:off x="608400" y="360000"/>
+            <a:ext cx="10969200" cy="705600"/>
+          </a:xfrm>
+        </p:spPr>
+        <p:txBody>
+          <a:bodyPr/>
+          <a:p>
+            <a:r>
+              <a:rPr lang="zh-CN" altLang="en-US"/>
+              <a:t>场景三：</a:t>
+            </a:r>
+            <a:r>
+              <a:rPr lang="zh-CN" altLang="en-US" dirty="0" smtClean="0">
+                <a:latin typeface="微软雅黑" panose="020B0503020204020204" charset="-122"/>
+                <a:ea typeface="微软雅黑" panose="020B0503020204020204" charset="-122"/>
+                <a:sym typeface="+mn-ea"/>
+              </a:rPr>
+              <a:t>密钥</a:t>
+            </a:r>
+            <a:r>
+              <a:rPr lang="zh-CN" altLang="en-US" dirty="0" smtClean="0">
+                <a:latin typeface="微软雅黑" panose="020B0503020204020204" charset="-122"/>
+                <a:ea typeface="微软雅黑" panose="020B0503020204020204" charset="-122"/>
+                <a:sym typeface="+mn-ea"/>
+              </a:rPr>
+              <a:t>恢复</a:t>
+            </a:r>
+            <a:endParaRPr lang="zh-CN" altLang="en-US" dirty="0" smtClean="0">
+              <a:latin typeface="微软雅黑" panose="020B0503020204020204" charset="-122"/>
+              <a:ea typeface="微软雅黑" panose="020B0503020204020204" charset="-122"/>
+              <a:sym typeface="+mn-ea"/>
+            </a:endParaRPr>
+          </a:p>
+        </p:txBody>
+      </p:sp>
+      <p:pic>
+        <p:nvPicPr>
+          <p:cNvPr id="3" name="图片 2" descr="recover"/>
+          <p:cNvPicPr>
+            <a:picLocks noChangeAspect="1"/>
+          </p:cNvPicPr>
+          <p:nvPr/>
+        </p:nvPicPr>
+        <p:blipFill>
+          <a:blip r:embed="rId1"/>
+          <a:stretch>
+            <a:fillRect/>
+          </a:stretch>
+        </p:blipFill>
+        <p:spPr>
+          <a:xfrm>
+            <a:off x="1418590" y="1468755"/>
+            <a:ext cx="9201150" cy="4610100"/>
+          </a:xfrm>
+          <a:prstGeom prst="rect">
+            <a:avLst/>
+          </a:prstGeom>
+        </p:spPr>
+      </p:pic>
+    </p:spTree>
+    <p:custDataLst>
+      <p:tags r:id="rId2"/>
     </p:custDataLst>
   </p:cSld>
   <p:clrMapOvr>
@@ -8069,13 +8274,27 @@
 
 <file path=ppt/tags/tag133.xml><?xml version="1.0" encoding="utf-8"?>
 <p:tagLst xmlns:p="http://schemas.openxmlformats.org/presentationml/2006/main">
+  <p:tag name="KSO_WM_BEAUTIFY_FLAG" val=""/>
+</p:tagLst>
+</file>
+
+<file path=ppt/tags/tag134.xml><?xml version="1.0" encoding="utf-8"?>
+<p:tagLst xmlns:p="http://schemas.openxmlformats.org/presentationml/2006/main">
   <p:tag name="KSO_WM_BEAUTIFY_FLAG" val="#wm#"/>
   <p:tag name="KSO_WM_TEMPLATE_CATEGORY" val="custom"/>
   <p:tag name="KSO_WM_TEMPLATE_INDEX" val="20205081"/>
 </p:tagLst>
 </file>
 
-<file path=ppt/tags/tag134.xml><?xml version="1.0" encoding="utf-8"?>
+<file path=ppt/tags/tag135.xml><?xml version="1.0" encoding="utf-8"?>
+<p:tagLst xmlns:p="http://schemas.openxmlformats.org/presentationml/2006/main">
+  <p:tag name="KSO_WM_BEAUTIFY_FLAG" val="#wm#"/>
+  <p:tag name="KSO_WM_TEMPLATE_CATEGORY" val="custom"/>
+  <p:tag name="KSO_WM_TEMPLATE_INDEX" val="20205081"/>
+</p:tagLst>
+</file>
+
+<file path=ppt/tags/tag136.xml><?xml version="1.0" encoding="utf-8"?>
 <p:tagLst xmlns:p="http://schemas.openxmlformats.org/presentationml/2006/main">
   <p:tag name="COMMONDATA" val="eyJoZGlkIjoiODAzOTM4ZDBjM2VlN2M1YWNhMTZkY2Y0MzMwZjA5NjMifQ=="/>
   <p:tag name="KSO_WPP_MARK_KEY" val="f4ddd4e7-bd5b-4e54-a297-cbdb6137176e"/>

--- a/design/密码学题目方案-陈家乐.pptx
+++ b/design/密码学题目方案-陈家乐.pptx
@@ -118,7 +118,7 @@
   <p:extLst>
     <p:ext uri="{EFAFB233-063F-42B5-8137-9DF3F51BA10A}">
       <p15:sldGuideLst xmlns:p15="http://schemas.microsoft.com/office/powerpoint/2012/main">
-        <p15:guide id="1" orient="horz" pos="2182" userDrawn="1">
+        <p15:guide id="1" orient="horz" pos="2198" userDrawn="1">
           <p15:clr>
             <a:srgbClr val="A4A3A4"/>
           </p15:clr>
@@ -3806,41 +3806,13 @@
           </a:p>
         </p:txBody>
       </p:sp>
-      <p:pic>
-        <p:nvPicPr>
-          <p:cNvPr id="5" name="图片 4"/>
-          <p:cNvPicPr>
-            <a:picLocks noChangeAspect="1"/>
-          </p:cNvPicPr>
-          <p:nvPr>
-            <p:custDataLst>
-              <p:tags r:id="rId1"/>
-            </p:custDataLst>
-          </p:nvPr>
-        </p:nvPicPr>
-        <p:blipFill>
-          <a:blip r:embed="rId2"/>
-          <a:stretch>
-            <a:fillRect/>
-          </a:stretch>
-        </p:blipFill>
-        <p:spPr>
-          <a:xfrm>
-            <a:off x="3983355" y="2051050"/>
-            <a:ext cx="6734175" cy="2952750"/>
-          </a:xfrm>
-          <a:prstGeom prst="rect">
-            <a:avLst/>
-          </a:prstGeom>
-        </p:spPr>
-      </p:pic>
       <p:sp>
         <p:nvSpPr>
           <p:cNvPr id="53" name="矩形 52"/>
           <p:cNvSpPr/>
           <p:nvPr>
             <p:custDataLst>
-              <p:tags r:id="rId3"/>
+              <p:tags r:id="rId1"/>
             </p:custDataLst>
           </p:nvPr>
         </p:nvSpPr>
@@ -3913,7 +3885,7 @@
           <p:cNvSpPr/>
           <p:nvPr>
             <p:custDataLst>
-              <p:tags r:id="rId4"/>
+              <p:tags r:id="rId2"/>
             </p:custDataLst>
           </p:nvPr>
         </p:nvSpPr>
@@ -4000,7 +3972,7 @@
             <p:cNvSpPr/>
             <p:nvPr>
               <p:custDataLst>
-                <p:tags r:id="rId5"/>
+                <p:tags r:id="rId3"/>
               </p:custDataLst>
             </p:nvPr>
           </p:nvSpPr>
@@ -4057,7 +4029,7 @@
             <p:cNvCxnSpPr/>
             <p:nvPr>
               <p:custDataLst>
-                <p:tags r:id="rId6"/>
+                <p:tags r:id="rId4"/>
               </p:custDataLst>
             </p:nvPr>
           </p:nvCxnSpPr>
@@ -4099,7 +4071,7 @@
             <p:cNvCxnSpPr/>
             <p:nvPr>
               <p:custDataLst>
-                <p:tags r:id="rId7"/>
+                <p:tags r:id="rId5"/>
               </p:custDataLst>
             </p:nvPr>
           </p:nvCxnSpPr>
@@ -4141,7 +4113,7 @@
             <p:cNvCxnSpPr/>
             <p:nvPr>
               <p:custDataLst>
-                <p:tags r:id="rId8"/>
+                <p:tags r:id="rId6"/>
               </p:custDataLst>
             </p:nvPr>
           </p:nvCxnSpPr>
@@ -4183,7 +4155,7 @@
             <p:cNvCxnSpPr/>
             <p:nvPr>
               <p:custDataLst>
-                <p:tags r:id="rId9"/>
+                <p:tags r:id="rId7"/>
               </p:custDataLst>
             </p:nvPr>
           </p:nvCxnSpPr>
@@ -4225,7 +4197,7 @@
             <p:cNvCxnSpPr/>
             <p:nvPr>
               <p:custDataLst>
-                <p:tags r:id="rId10"/>
+                <p:tags r:id="rId8"/>
               </p:custDataLst>
             </p:nvPr>
           </p:nvCxnSpPr>
@@ -4282,7 +4254,7 @@
             <p:cNvSpPr/>
             <p:nvPr>
               <p:custDataLst>
-                <p:tags r:id="rId11"/>
+                <p:tags r:id="rId9"/>
               </p:custDataLst>
             </p:nvPr>
           </p:nvSpPr>
@@ -4339,7 +4311,7 @@
             <p:cNvCxnSpPr/>
             <p:nvPr>
               <p:custDataLst>
-                <p:tags r:id="rId12"/>
+                <p:tags r:id="rId10"/>
               </p:custDataLst>
             </p:nvPr>
           </p:nvCxnSpPr>
@@ -4381,7 +4353,7 @@
             <p:cNvCxnSpPr/>
             <p:nvPr>
               <p:custDataLst>
-                <p:tags r:id="rId13"/>
+                <p:tags r:id="rId11"/>
               </p:custDataLst>
             </p:nvPr>
           </p:nvCxnSpPr>
@@ -4423,7 +4395,7 @@
             <p:cNvCxnSpPr/>
             <p:nvPr>
               <p:custDataLst>
-                <p:tags r:id="rId14"/>
+                <p:tags r:id="rId12"/>
               </p:custDataLst>
             </p:nvPr>
           </p:nvCxnSpPr>
@@ -4465,7 +4437,7 @@
             <p:cNvCxnSpPr/>
             <p:nvPr>
               <p:custDataLst>
-                <p:tags r:id="rId15"/>
+                <p:tags r:id="rId13"/>
               </p:custDataLst>
             </p:nvPr>
           </p:nvCxnSpPr>
@@ -4507,7 +4479,7 @@
             <p:cNvCxnSpPr/>
             <p:nvPr>
               <p:custDataLst>
-                <p:tags r:id="rId16"/>
+                <p:tags r:id="rId14"/>
               </p:custDataLst>
             </p:nvPr>
           </p:nvCxnSpPr>
@@ -4550,7 +4522,7 @@
           <p:cNvCxnSpPr/>
           <p:nvPr>
             <p:custDataLst>
-              <p:tags r:id="rId17"/>
+              <p:tags r:id="rId15"/>
             </p:custDataLst>
           </p:nvPr>
         </p:nvCxnSpPr>
@@ -4584,7 +4556,7 @@
           <p:cNvCxnSpPr/>
           <p:nvPr>
             <p:custDataLst>
-              <p:tags r:id="rId18"/>
+              <p:tags r:id="rId16"/>
             </p:custDataLst>
           </p:nvPr>
         </p:nvCxnSpPr>
@@ -4618,7 +4590,7 @@
           <p:cNvCxnSpPr/>
           <p:nvPr>
             <p:custDataLst>
-              <p:tags r:id="rId19"/>
+              <p:tags r:id="rId17"/>
             </p:custDataLst>
           </p:nvPr>
         </p:nvCxnSpPr>
@@ -4652,7 +4624,7 @@
           <p:cNvCxnSpPr/>
           <p:nvPr>
             <p:custDataLst>
-              <p:tags r:id="rId20"/>
+              <p:tags r:id="rId18"/>
             </p:custDataLst>
           </p:nvPr>
         </p:nvCxnSpPr>
@@ -4686,7 +4658,7 @@
           <p:cNvCxnSpPr/>
           <p:nvPr>
             <p:custDataLst>
-              <p:tags r:id="rId21"/>
+              <p:tags r:id="rId19"/>
             </p:custDataLst>
           </p:nvPr>
         </p:nvCxnSpPr>
@@ -4720,7 +4692,7 @@
           <p:cNvCxnSpPr/>
           <p:nvPr>
             <p:custDataLst>
-              <p:tags r:id="rId22"/>
+              <p:tags r:id="rId20"/>
             </p:custDataLst>
           </p:nvPr>
         </p:nvCxnSpPr>
@@ -4754,7 +4726,7 @@
           <p:cNvCxnSpPr/>
           <p:nvPr>
             <p:custDataLst>
-              <p:tags r:id="rId23"/>
+              <p:tags r:id="rId21"/>
             </p:custDataLst>
           </p:nvPr>
         </p:nvCxnSpPr>
@@ -4788,7 +4760,7 @@
           <p:cNvCxnSpPr/>
           <p:nvPr>
             <p:custDataLst>
-              <p:tags r:id="rId24"/>
+              <p:tags r:id="rId22"/>
             </p:custDataLst>
           </p:nvPr>
         </p:nvCxnSpPr>
@@ -4822,7 +4794,7 @@
           <p:cNvSpPr/>
           <p:nvPr>
             <p:custDataLst>
-              <p:tags r:id="rId25"/>
+              <p:tags r:id="rId23"/>
             </p:custDataLst>
           </p:nvPr>
         </p:nvSpPr>
@@ -4860,7 +4832,7 @@
           <p:cNvSpPr/>
           <p:nvPr>
             <p:custDataLst>
-              <p:tags r:id="rId26"/>
+              <p:tags r:id="rId24"/>
             </p:custDataLst>
           </p:nvPr>
         </p:nvSpPr>
@@ -4898,7 +4870,7 @@
           <p:cNvSpPr/>
           <p:nvPr>
             <p:custDataLst>
-              <p:tags r:id="rId27"/>
+              <p:tags r:id="rId25"/>
             </p:custDataLst>
           </p:nvPr>
         </p:nvSpPr>
@@ -4936,7 +4908,7 @@
           <p:cNvSpPr/>
           <p:nvPr>
             <p:custDataLst>
-              <p:tags r:id="rId28"/>
+              <p:tags r:id="rId26"/>
             </p:custDataLst>
           </p:nvPr>
         </p:nvSpPr>
@@ -4974,7 +4946,7 @@
           <p:cNvSpPr/>
           <p:nvPr>
             <p:custDataLst>
-              <p:tags r:id="rId29"/>
+              <p:tags r:id="rId27"/>
             </p:custDataLst>
           </p:nvPr>
         </p:nvSpPr>
@@ -5012,7 +4984,7 @@
           <p:cNvSpPr/>
           <p:nvPr>
             <p:custDataLst>
-              <p:tags r:id="rId30"/>
+              <p:tags r:id="rId28"/>
             </p:custDataLst>
           </p:nvPr>
         </p:nvSpPr>
@@ -5050,7 +5022,7 @@
           <p:cNvSpPr/>
           <p:nvPr>
             <p:custDataLst>
-              <p:tags r:id="rId31"/>
+              <p:tags r:id="rId29"/>
             </p:custDataLst>
           </p:nvPr>
         </p:nvSpPr>
@@ -5102,7 +5074,7 @@
           <p:cNvSpPr txBox="1"/>
           <p:nvPr>
             <p:custDataLst>
-              <p:tags r:id="rId32"/>
+              <p:tags r:id="rId30"/>
             </p:custDataLst>
           </p:nvPr>
         </p:nvSpPr>
@@ -5141,7 +5113,7 @@
           <p:cNvSpPr txBox="1"/>
           <p:nvPr>
             <p:custDataLst>
-              <p:tags r:id="rId33"/>
+              <p:tags r:id="rId31"/>
             </p:custDataLst>
           </p:nvPr>
         </p:nvSpPr>
@@ -5180,7 +5152,7 @@
           <p:cNvSpPr txBox="1"/>
           <p:nvPr>
             <p:custDataLst>
-              <p:tags r:id="rId34"/>
+              <p:tags r:id="rId32"/>
             </p:custDataLst>
           </p:nvPr>
         </p:nvSpPr>
@@ -5395,8 +5367,8 @@
         </p:nvSpPr>
         <p:spPr>
           <a:xfrm>
-            <a:off x="893445" y="5273040"/>
-            <a:ext cx="4064000" cy="614045"/>
+            <a:off x="719455" y="5327650"/>
+            <a:ext cx="4878070" cy="860425"/>
           </a:xfrm>
           <a:prstGeom prst="rect">
             <a:avLst/>
@@ -5424,21 +5396,74 @@
               <a:buChar char="Ø"/>
             </a:pPr>
             <a:r>
+              <a:rPr lang="en-US" altLang="zh-CN" sz="1600"/>
+              <a:t>Enigma </a:t>
+            </a:r>
+            <a:r>
               <a:rPr lang="zh-CN" altLang="en-US" sz="1600"/>
+              <a:t>初始位置通过名称设定，随机而</a:t>
+            </a:r>
+            <a:r>
+              <a:rPr lang="zh-CN" altLang="en-US" sz="1600"/>
+              <a:t>确定</a:t>
+            </a:r>
+            <a:endParaRPr lang="zh-CN" altLang="en-US" sz="1600"/>
+          </a:p>
+          <a:p>
+            <a:pPr marL="285750" indent="-285750">
+              <a:buFont typeface="Wingdings" panose="05000000000000000000" charset="0"/>
+              <a:buChar char="Ø"/>
+            </a:pPr>
+            <a:r>
+              <a:rPr lang="zh-CN" altLang="en-US" sz="1600">
+                <a:sym typeface="+mn-ea"/>
+              </a:rPr>
               <a:t>通过</a:t>
             </a:r>
             <a:r>
-              <a:rPr lang="en-US" altLang="zh-CN" sz="1600"/>
+              <a:rPr lang="en-US" altLang="zh-CN" sz="1600">
+                <a:sym typeface="+mn-ea"/>
+              </a:rPr>
               <a:t> Enigma </a:t>
             </a:r>
             <a:r>
-              <a:rPr lang="zh-CN" altLang="en-US" sz="1600"/>
+              <a:rPr lang="zh-CN" altLang="en-US" sz="1600">
+                <a:sym typeface="+mn-ea"/>
+              </a:rPr>
               <a:t>机加密两次</a:t>
             </a:r>
             <a:endParaRPr lang="zh-CN" altLang="en-US" sz="1600"/>
           </a:p>
         </p:txBody>
       </p:sp>
+      <p:pic>
+        <p:nvPicPr>
+          <p:cNvPr id="3" name="图片 2"/>
+          <p:cNvPicPr>
+            <a:picLocks noChangeAspect="1"/>
+          </p:cNvPicPr>
+          <p:nvPr>
+            <p:custDataLst>
+              <p:tags r:id="rId33"/>
+            </p:custDataLst>
+          </p:nvPr>
+        </p:nvPicPr>
+        <p:blipFill>
+          <a:blip r:embed="rId34"/>
+          <a:stretch>
+            <a:fillRect/>
+          </a:stretch>
+        </p:blipFill>
+        <p:spPr>
+          <a:xfrm>
+            <a:off x="4037330" y="1919605"/>
+            <a:ext cx="7267575" cy="3228975"/>
+          </a:xfrm>
+          <a:prstGeom prst="rect">
+            <a:avLst/>
+          </a:prstGeom>
+        </p:spPr>
+      </p:pic>
     </p:spTree>
     <p:custDataLst>
       <p:tags r:id="rId35"/>
